--- a/classes/prog2017/Prog3-Lecture16.pptx
+++ b/classes/prog2017/Prog3-Lecture16.pptx
@@ -157,6 +157,10 @@
 </p:presentation>
 </file>
 
+<file path=ppt/revisionInfo.xml><?xml version="1.0" encoding="utf-8"?>
+<p1510:revInfo xmlns:a="http://schemas.openxmlformats.org/drawingml/2006/main" xmlns:r="http://schemas.openxmlformats.org/officeDocument/2006/relationships" xmlns:p1510="http://schemas.microsoft.com/office/powerpoint/2015/10/main"/>
+</file>
+
 <file path=ppt/slideLayouts/slideLayout1.xml><?xml version="1.0" encoding="utf-8"?>
 <p:sldLayout xmlns:a="http://schemas.openxmlformats.org/drawingml/2006/main" xmlns:r="http://schemas.openxmlformats.org/officeDocument/2006/relationships" xmlns:p="http://schemas.openxmlformats.org/presentationml/2006/main" type="title" preserve="1">
   <p:cSld name="Title Slide">
@@ -286,7 +290,7 @@
           <a:p>
             <a:fld id="{5762582C-8927-495A-BF71-074CD7269097}" type="datetimeFigureOut">
               <a:rPr lang="en-US" smtClean="0"/>
-              <a:t>10/18/2016</a:t>
+              <a:t>10/22/2017</a:t>
             </a:fld>
             <a:endParaRPr lang="en-US"/>
           </a:p>
@@ -454,7 +458,7 @@
           <a:p>
             <a:fld id="{5762582C-8927-495A-BF71-074CD7269097}" type="datetimeFigureOut">
               <a:rPr lang="en-US" smtClean="0"/>
-              <a:t>10/18/2016</a:t>
+              <a:t>10/22/2017</a:t>
             </a:fld>
             <a:endParaRPr lang="en-US"/>
           </a:p>
@@ -632,7 +636,7 @@
           <a:p>
             <a:fld id="{5762582C-8927-495A-BF71-074CD7269097}" type="datetimeFigureOut">
               <a:rPr lang="en-US" smtClean="0"/>
-              <a:t>10/18/2016</a:t>
+              <a:t>10/22/2017</a:t>
             </a:fld>
             <a:endParaRPr lang="en-US"/>
           </a:p>
@@ -800,7 +804,7 @@
           <a:p>
             <a:fld id="{5762582C-8927-495A-BF71-074CD7269097}" type="datetimeFigureOut">
               <a:rPr lang="en-US" smtClean="0"/>
-              <a:t>10/18/2016</a:t>
+              <a:t>10/22/2017</a:t>
             </a:fld>
             <a:endParaRPr lang="en-US"/>
           </a:p>
@@ -1045,7 +1049,7 @@
           <a:p>
             <a:fld id="{5762582C-8927-495A-BF71-074CD7269097}" type="datetimeFigureOut">
               <a:rPr lang="en-US" smtClean="0"/>
-              <a:t>10/18/2016</a:t>
+              <a:t>10/22/2017</a:t>
             </a:fld>
             <a:endParaRPr lang="en-US"/>
           </a:p>
@@ -1274,7 +1278,7 @@
           <a:p>
             <a:fld id="{5762582C-8927-495A-BF71-074CD7269097}" type="datetimeFigureOut">
               <a:rPr lang="en-US" smtClean="0"/>
-              <a:t>10/18/2016</a:t>
+              <a:t>10/22/2017</a:t>
             </a:fld>
             <a:endParaRPr lang="en-US"/>
           </a:p>
@@ -1638,7 +1642,7 @@
           <a:p>
             <a:fld id="{5762582C-8927-495A-BF71-074CD7269097}" type="datetimeFigureOut">
               <a:rPr lang="en-US" smtClean="0"/>
-              <a:t>10/18/2016</a:t>
+              <a:t>10/22/2017</a:t>
             </a:fld>
             <a:endParaRPr lang="en-US"/>
           </a:p>
@@ -1755,7 +1759,7 @@
           <a:p>
             <a:fld id="{5762582C-8927-495A-BF71-074CD7269097}" type="datetimeFigureOut">
               <a:rPr lang="en-US" smtClean="0"/>
-              <a:t>10/18/2016</a:t>
+              <a:t>10/22/2017</a:t>
             </a:fld>
             <a:endParaRPr lang="en-US"/>
           </a:p>
@@ -1850,7 +1854,7 @@
           <a:p>
             <a:fld id="{5762582C-8927-495A-BF71-074CD7269097}" type="datetimeFigureOut">
               <a:rPr lang="en-US" smtClean="0"/>
-              <a:t>10/18/2016</a:t>
+              <a:t>10/22/2017</a:t>
             </a:fld>
             <a:endParaRPr lang="en-US"/>
           </a:p>
@@ -2125,7 +2129,7 @@
           <a:p>
             <a:fld id="{5762582C-8927-495A-BF71-074CD7269097}" type="datetimeFigureOut">
               <a:rPr lang="en-US" smtClean="0"/>
-              <a:t>10/18/2016</a:t>
+              <a:t>10/22/2017</a:t>
             </a:fld>
             <a:endParaRPr lang="en-US"/>
           </a:p>
@@ -2377,7 +2381,7 @@
           <a:p>
             <a:fld id="{5762582C-8927-495A-BF71-074CD7269097}" type="datetimeFigureOut">
               <a:rPr lang="en-US" smtClean="0"/>
-              <a:t>10/18/2016</a:t>
+              <a:t>10/22/2017</a:t>
             </a:fld>
             <a:endParaRPr lang="en-US"/>
           </a:p>
@@ -2588,7 +2592,7 @@
           <a:p>
             <a:fld id="{5762582C-8927-495A-BF71-074CD7269097}" type="datetimeFigureOut">
               <a:rPr lang="en-US" smtClean="0"/>
-              <a:t>10/18/2016</a:t>
+              <a:t>10/22/2017</a:t>
             </a:fld>
             <a:endParaRPr lang="en-US"/>
           </a:p>
@@ -11644,7 +11648,7 @@
         <p:spPr>
           <a:xfrm>
             <a:off x="914400" y="764088"/>
-            <a:ext cx="7080785" cy="461665"/>
+            <a:ext cx="7665881" cy="461665"/>
           </a:xfrm>
           <a:prstGeom prst="rect">
             <a:avLst/>
@@ -11662,19 +11666,22 @@
                 <a:latin typeface="Arial" panose="020B0604020202020204" pitchFamily="34" charset="0"/>
                 <a:cs typeface="Arial" panose="020B0604020202020204" pitchFamily="34" charset="0"/>
               </a:rPr>
-              <a:t>Next:  Start reading the Concurrency in </a:t>
+              <a:t>Next</a:t>
             </a:r>
             <a:r>
               <a:rPr lang="en-US" sz="2400">
                 <a:latin typeface="Arial" panose="020B0604020202020204" pitchFamily="34" charset="0"/>
                 <a:cs typeface="Arial" panose="020B0604020202020204" pitchFamily="34" charset="0"/>
               </a:rPr>
-              <a:t>Java book!</a:t>
-            </a:r>
-            <a:endParaRPr lang="en-US" sz="2400" dirty="0">
-              <a:latin typeface="Arial" panose="020B0604020202020204" pitchFamily="34" charset="0"/>
-              <a:cs typeface="Arial" panose="020B0604020202020204" pitchFamily="34" charset="0"/>
-            </a:endParaRPr>
+              <a:t>:  Continue reading </a:t>
+            </a:r>
+            <a:r>
+              <a:rPr lang="en-US" sz="2400" dirty="0">
+                <a:latin typeface="Arial" panose="020B0604020202020204" pitchFamily="34" charset="0"/>
+                <a:cs typeface="Arial" panose="020B0604020202020204" pitchFamily="34" charset="0"/>
+              </a:rPr>
+              <a:t>the Concurrency in Java book!</a:t>
+            </a:r>
           </a:p>
         </p:txBody>
       </p:sp>
